--- a/Practice/P41171/Kuryshev_Vasilii/literature_ontology.pptx
+++ b/Practice/P41171/Kuryshev_Vasilii/literature_ontology.pptx
@@ -14,7 +14,17 @@
     <p:sldId id="263" r:id="rId8"/>
     <p:sldId id="265" r:id="rId9"/>
     <p:sldId id="264" r:id="rId10"/>
-    <p:sldId id="266" r:id="rId11"/>
+    <p:sldId id="271" r:id="rId11"/>
+    <p:sldId id="270" r:id="rId12"/>
+    <p:sldId id="272" r:id="rId13"/>
+    <p:sldId id="273" r:id="rId14"/>
+    <p:sldId id="275" r:id="rId15"/>
+    <p:sldId id="276" r:id="rId16"/>
+    <p:sldId id="274" r:id="rId17"/>
+    <p:sldId id="267" r:id="rId18"/>
+    <p:sldId id="269" r:id="rId19"/>
+    <p:sldId id="268" r:id="rId20"/>
+    <p:sldId id="266" r:id="rId21"/>
   </p:sldIdLst>
   <p:sldSz cx="12192000" cy="6858000"/>
   <p:notesSz cx="6858000" cy="9144000"/>
@@ -268,7 +278,7 @@
           <a:p>
             <a:fld id="{58A9FE3E-EE35-4E4F-8277-57A4B1183573}" type="datetimeFigureOut">
               <a:rPr lang="ru-RU" smtClean="0"/>
-              <a:t>17.05.2021</a:t>
+              <a:t>20.05.2021</a:t>
             </a:fld>
             <a:endParaRPr lang="ru-RU"/>
           </a:p>
@@ -466,7 +476,7 @@
           <a:p>
             <a:fld id="{58A9FE3E-EE35-4E4F-8277-57A4B1183573}" type="datetimeFigureOut">
               <a:rPr lang="ru-RU" smtClean="0"/>
-              <a:t>17.05.2021</a:t>
+              <a:t>20.05.2021</a:t>
             </a:fld>
             <a:endParaRPr lang="ru-RU"/>
           </a:p>
@@ -674,7 +684,7 @@
           <a:p>
             <a:fld id="{58A9FE3E-EE35-4E4F-8277-57A4B1183573}" type="datetimeFigureOut">
               <a:rPr lang="ru-RU" smtClean="0"/>
-              <a:t>17.05.2021</a:t>
+              <a:t>20.05.2021</a:t>
             </a:fld>
             <a:endParaRPr lang="ru-RU"/>
           </a:p>
@@ -872,7 +882,7 @@
           <a:p>
             <a:fld id="{58A9FE3E-EE35-4E4F-8277-57A4B1183573}" type="datetimeFigureOut">
               <a:rPr lang="ru-RU" smtClean="0"/>
-              <a:t>17.05.2021</a:t>
+              <a:t>20.05.2021</a:t>
             </a:fld>
             <a:endParaRPr lang="ru-RU"/>
           </a:p>
@@ -1147,7 +1157,7 @@
           <a:p>
             <a:fld id="{58A9FE3E-EE35-4E4F-8277-57A4B1183573}" type="datetimeFigureOut">
               <a:rPr lang="ru-RU" smtClean="0"/>
-              <a:t>17.05.2021</a:t>
+              <a:t>20.05.2021</a:t>
             </a:fld>
             <a:endParaRPr lang="ru-RU"/>
           </a:p>
@@ -1412,7 +1422,7 @@
           <a:p>
             <a:fld id="{58A9FE3E-EE35-4E4F-8277-57A4B1183573}" type="datetimeFigureOut">
               <a:rPr lang="ru-RU" smtClean="0"/>
-              <a:t>17.05.2021</a:t>
+              <a:t>20.05.2021</a:t>
             </a:fld>
             <a:endParaRPr lang="ru-RU"/>
           </a:p>
@@ -1824,7 +1834,7 @@
           <a:p>
             <a:fld id="{58A9FE3E-EE35-4E4F-8277-57A4B1183573}" type="datetimeFigureOut">
               <a:rPr lang="ru-RU" smtClean="0"/>
-              <a:t>17.05.2021</a:t>
+              <a:t>20.05.2021</a:t>
             </a:fld>
             <a:endParaRPr lang="ru-RU"/>
           </a:p>
@@ -1965,7 +1975,7 @@
           <a:p>
             <a:fld id="{58A9FE3E-EE35-4E4F-8277-57A4B1183573}" type="datetimeFigureOut">
               <a:rPr lang="ru-RU" smtClean="0"/>
-              <a:t>17.05.2021</a:t>
+              <a:t>20.05.2021</a:t>
             </a:fld>
             <a:endParaRPr lang="ru-RU"/>
           </a:p>
@@ -2078,7 +2088,7 @@
           <a:p>
             <a:fld id="{58A9FE3E-EE35-4E4F-8277-57A4B1183573}" type="datetimeFigureOut">
               <a:rPr lang="ru-RU" smtClean="0"/>
-              <a:t>17.05.2021</a:t>
+              <a:t>20.05.2021</a:t>
             </a:fld>
             <a:endParaRPr lang="ru-RU"/>
           </a:p>
@@ -2389,7 +2399,7 @@
           <a:p>
             <a:fld id="{58A9FE3E-EE35-4E4F-8277-57A4B1183573}" type="datetimeFigureOut">
               <a:rPr lang="ru-RU" smtClean="0"/>
-              <a:t>17.05.2021</a:t>
+              <a:t>20.05.2021</a:t>
             </a:fld>
             <a:endParaRPr lang="ru-RU"/>
           </a:p>
@@ -2677,7 +2687,7 @@
           <a:p>
             <a:fld id="{58A9FE3E-EE35-4E4F-8277-57A4B1183573}" type="datetimeFigureOut">
               <a:rPr lang="ru-RU" smtClean="0"/>
-              <a:t>17.05.2021</a:t>
+              <a:t>20.05.2021</a:t>
             </a:fld>
             <a:endParaRPr lang="ru-RU"/>
           </a:p>
@@ -2918,7 +2928,7 @@
           <a:p>
             <a:fld id="{58A9FE3E-EE35-4E4F-8277-57A4B1183573}" type="datetimeFigureOut">
               <a:rPr lang="ru-RU" smtClean="0"/>
-              <a:t>17.05.2021</a:t>
+              <a:t>20.05.2021</a:t>
             </a:fld>
             <a:endParaRPr lang="ru-RU"/>
           </a:p>
@@ -3610,7 +3620,7 @@
           <p:cNvPr id="2" name="Заголовок 1">
             <a:extLst>
               <a:ext uri="{FF2B5EF4-FFF2-40B4-BE49-F238E27FC236}">
-                <a16:creationId xmlns:a16="http://schemas.microsoft.com/office/drawing/2014/main" id="{2ECBC86A-E72B-D74E-A962-C3789DB5AB88}"/>
+                <a16:creationId xmlns:a16="http://schemas.microsoft.com/office/drawing/2014/main" id="{12D95E7E-5694-F743-A54A-46F4DE4B653C}"/>
               </a:ext>
             </a:extLst>
           </p:cNvPr>
@@ -3627,79 +3637,1066 @@
           <a:lstStyle/>
           <a:p>
             <a:r>
+              <a:rPr lang="en-US" dirty="0"/>
+              <a:t>SPARQL-</a:t>
+            </a:r>
+            <a:r>
               <a:rPr lang="ru-RU" dirty="0"/>
-              <a:t>Проблемы</a:t>
-            </a:r>
-          </a:p>
-        </p:txBody>
-      </p:sp>
-      <p:sp>
-        <p:nvSpPr>
-          <p:cNvPr id="3" name="Объект 2">
-            <a:extLst>
-              <a:ext uri="{FF2B5EF4-FFF2-40B4-BE49-F238E27FC236}">
-                <a16:creationId xmlns:a16="http://schemas.microsoft.com/office/drawing/2014/main" id="{302707FA-AB26-BB4E-B2E9-9236D90AD393}"/>
-              </a:ext>
-            </a:extLst>
-          </p:cNvPr>
-          <p:cNvSpPr>
-            <a:spLocks noGrp="1"/>
-          </p:cNvSpPr>
+              <a:t>запросы</a:t>
+            </a:r>
+          </a:p>
+        </p:txBody>
+      </p:sp>
+      <p:pic>
+        <p:nvPicPr>
+          <p:cNvPr id="4" name="Объект 3">
+            <a:extLst>
+              <a:ext uri="{FF2B5EF4-FFF2-40B4-BE49-F238E27FC236}">
+                <a16:creationId xmlns:a16="http://schemas.microsoft.com/office/drawing/2014/main" id="{859104C3-9F7D-1642-A974-F7623429F185}"/>
+              </a:ext>
+            </a:extLst>
+          </p:cNvPr>
+          <p:cNvPicPr>
+            <a:picLocks noGrp="1" noChangeAspect="1"/>
+          </p:cNvPicPr>
           <p:nvPr>
             <p:ph idx="1"/>
           </p:nvPr>
-        </p:nvSpPr>
-        <p:spPr/>
-        <p:txBody>
-          <a:bodyPr/>
-          <a:lstStyle/>
-          <a:p>
-            <a:r>
-              <a:rPr lang="ru-RU" dirty="0"/>
-              <a:t>Проблемы технического характера:</a:t>
-            </a:r>
-          </a:p>
-          <a:p>
-            <a:pPr lvl="1"/>
-            <a:r>
-              <a:rPr lang="ru-RU" dirty="0"/>
-              <a:t>Написание </a:t>
-            </a:r>
-            <a:r>
-              <a:rPr lang="en-US" dirty="0"/>
-              <a:t>SPARQL</a:t>
-            </a:r>
-            <a:r>
-              <a:rPr lang="ru-RU" dirty="0"/>
-              <a:t>-запросов</a:t>
-            </a:r>
-          </a:p>
-          <a:p>
-            <a:pPr lvl="1"/>
-            <a:r>
-              <a:rPr lang="ru-RU" dirty="0"/>
-              <a:t>Сбор данных</a:t>
-            </a:r>
-          </a:p>
-          <a:p>
-            <a:r>
-              <a:rPr lang="ru-RU" dirty="0"/>
-              <a:t>Проблемы концептуального характера</a:t>
-            </a:r>
-          </a:p>
-          <a:p>
-            <a:pPr lvl="1"/>
-            <a:r>
-              <a:rPr lang="ru-RU" dirty="0"/>
-              <a:t>Не совсем валидные данные, в связи с этим иногда возникали трудности при обработке</a:t>
-            </a:r>
-          </a:p>
-        </p:txBody>
-      </p:sp>
+        </p:nvPicPr>
+        <p:blipFill>
+          <a:blip r:embed="rId2"/>
+          <a:stretch>
+            <a:fillRect/>
+          </a:stretch>
+        </p:blipFill>
+        <p:spPr>
+          <a:xfrm>
+            <a:off x="2847757" y="1690688"/>
+            <a:ext cx="6306792" cy="4486275"/>
+          </a:xfrm>
+          <a:prstGeom prst="rect">
+            <a:avLst/>
+          </a:prstGeom>
+        </p:spPr>
+      </p:pic>
     </p:spTree>
     <p:extLst>
       <p:ext uri="{BB962C8B-B14F-4D97-AF65-F5344CB8AC3E}">
-        <p14:creationId xmlns:p14="http://schemas.microsoft.com/office/powerpoint/2010/main" val="3717102995"/>
+        <p14:creationId xmlns:p14="http://schemas.microsoft.com/office/powerpoint/2010/main" val="3804204329"/>
+      </p:ext>
+    </p:extLst>
+  </p:cSld>
+  <p:clrMapOvr>
+    <a:masterClrMapping/>
+  </p:clrMapOvr>
+</p:sld>
+</file>
+
+<file path=ppt/slides/slide11.xml><?xml version="1.0" encoding="utf-8"?>
+<p:sld xmlns:a="http://schemas.openxmlformats.org/drawingml/2006/main" xmlns:r="http://schemas.openxmlformats.org/officeDocument/2006/relationships" xmlns:p="http://schemas.openxmlformats.org/presentationml/2006/main">
+  <p:cSld>
+    <p:spTree>
+      <p:nvGrpSpPr>
+        <p:cNvPr id="1" name=""/>
+        <p:cNvGrpSpPr/>
+        <p:nvPr/>
+      </p:nvGrpSpPr>
+      <p:grpSpPr>
+        <a:xfrm>
+          <a:off x="0" y="0"/>
+          <a:ext cx="0" cy="0"/>
+          <a:chOff x="0" y="0"/>
+          <a:chExt cx="0" cy="0"/>
+        </a:xfrm>
+      </p:grpSpPr>
+      <p:sp>
+        <p:nvSpPr>
+          <p:cNvPr id="2" name="Заголовок 1">
+            <a:extLst>
+              <a:ext uri="{FF2B5EF4-FFF2-40B4-BE49-F238E27FC236}">
+                <a16:creationId xmlns:a16="http://schemas.microsoft.com/office/drawing/2014/main" id="{12D95E7E-5694-F743-A54A-46F4DE4B653C}"/>
+              </a:ext>
+            </a:extLst>
+          </p:cNvPr>
+          <p:cNvSpPr>
+            <a:spLocks noGrp="1"/>
+          </p:cNvSpPr>
+          <p:nvPr>
+            <p:ph type="title"/>
+          </p:nvPr>
+        </p:nvSpPr>
+        <p:spPr/>
+        <p:txBody>
+          <a:bodyPr/>
+          <a:lstStyle/>
+          <a:p>
+            <a:r>
+              <a:rPr lang="en-US" dirty="0"/>
+              <a:t>SPARQL-</a:t>
+            </a:r>
+            <a:r>
+              <a:rPr lang="ru-RU" dirty="0"/>
+              <a:t>запросы</a:t>
+            </a:r>
+          </a:p>
+        </p:txBody>
+      </p:sp>
+      <p:pic>
+        <p:nvPicPr>
+          <p:cNvPr id="4" name="Объект 3">
+            <a:extLst>
+              <a:ext uri="{FF2B5EF4-FFF2-40B4-BE49-F238E27FC236}">
+                <a16:creationId xmlns:a16="http://schemas.microsoft.com/office/drawing/2014/main" id="{1B4050A3-820A-1E48-95AE-ED9DF7B35C7A}"/>
+              </a:ext>
+            </a:extLst>
+          </p:cNvPr>
+          <p:cNvPicPr>
+            <a:picLocks noGrp="1" noChangeAspect="1"/>
+          </p:cNvPicPr>
+          <p:nvPr>
+            <p:ph idx="1"/>
+          </p:nvPr>
+        </p:nvPicPr>
+        <p:blipFill>
+          <a:blip r:embed="rId2"/>
+          <a:stretch>
+            <a:fillRect/>
+          </a:stretch>
+        </p:blipFill>
+        <p:spPr>
+          <a:xfrm>
+            <a:off x="2249091" y="1825625"/>
+            <a:ext cx="7693817" cy="4351338"/>
+          </a:xfrm>
+          <a:prstGeom prst="rect">
+            <a:avLst/>
+          </a:prstGeom>
+        </p:spPr>
+      </p:pic>
+    </p:spTree>
+    <p:extLst>
+      <p:ext uri="{BB962C8B-B14F-4D97-AF65-F5344CB8AC3E}">
+        <p14:creationId xmlns:p14="http://schemas.microsoft.com/office/powerpoint/2010/main" val="51327112"/>
+      </p:ext>
+    </p:extLst>
+  </p:cSld>
+  <p:clrMapOvr>
+    <a:masterClrMapping/>
+  </p:clrMapOvr>
+</p:sld>
+</file>
+
+<file path=ppt/slides/slide12.xml><?xml version="1.0" encoding="utf-8"?>
+<p:sld xmlns:a="http://schemas.openxmlformats.org/drawingml/2006/main" xmlns:r="http://schemas.openxmlformats.org/officeDocument/2006/relationships" xmlns:p="http://schemas.openxmlformats.org/presentationml/2006/main">
+  <p:cSld>
+    <p:spTree>
+      <p:nvGrpSpPr>
+        <p:cNvPr id="1" name=""/>
+        <p:cNvGrpSpPr/>
+        <p:nvPr/>
+      </p:nvGrpSpPr>
+      <p:grpSpPr>
+        <a:xfrm>
+          <a:off x="0" y="0"/>
+          <a:ext cx="0" cy="0"/>
+          <a:chOff x="0" y="0"/>
+          <a:chExt cx="0" cy="0"/>
+        </a:xfrm>
+      </p:grpSpPr>
+      <p:sp>
+        <p:nvSpPr>
+          <p:cNvPr id="2" name="Заголовок 1">
+            <a:extLst>
+              <a:ext uri="{FF2B5EF4-FFF2-40B4-BE49-F238E27FC236}">
+                <a16:creationId xmlns:a16="http://schemas.microsoft.com/office/drawing/2014/main" id="{12D95E7E-5694-F743-A54A-46F4DE4B653C}"/>
+              </a:ext>
+            </a:extLst>
+          </p:cNvPr>
+          <p:cNvSpPr>
+            <a:spLocks noGrp="1"/>
+          </p:cNvSpPr>
+          <p:nvPr>
+            <p:ph type="title"/>
+          </p:nvPr>
+        </p:nvSpPr>
+        <p:spPr/>
+        <p:txBody>
+          <a:bodyPr/>
+          <a:lstStyle/>
+          <a:p>
+            <a:r>
+              <a:rPr lang="en-US" dirty="0"/>
+              <a:t>SPARQL-</a:t>
+            </a:r>
+            <a:r>
+              <a:rPr lang="ru-RU" dirty="0"/>
+              <a:t>запросы</a:t>
+            </a:r>
+          </a:p>
+        </p:txBody>
+      </p:sp>
+      <p:pic>
+        <p:nvPicPr>
+          <p:cNvPr id="4" name="Объект 3">
+            <a:extLst>
+              <a:ext uri="{FF2B5EF4-FFF2-40B4-BE49-F238E27FC236}">
+                <a16:creationId xmlns:a16="http://schemas.microsoft.com/office/drawing/2014/main" id="{26B1A68E-9B4B-4A49-9FD5-1948B9461047}"/>
+              </a:ext>
+            </a:extLst>
+          </p:cNvPr>
+          <p:cNvPicPr>
+            <a:picLocks noGrp="1" noChangeAspect="1"/>
+          </p:cNvPicPr>
+          <p:nvPr>
+            <p:ph idx="1"/>
+          </p:nvPr>
+        </p:nvPicPr>
+        <p:blipFill>
+          <a:blip r:embed="rId2"/>
+          <a:stretch>
+            <a:fillRect/>
+          </a:stretch>
+        </p:blipFill>
+        <p:spPr>
+          <a:xfrm>
+            <a:off x="3064839" y="1690688"/>
+            <a:ext cx="5885305" cy="4486275"/>
+          </a:xfrm>
+          <a:prstGeom prst="rect">
+            <a:avLst/>
+          </a:prstGeom>
+        </p:spPr>
+      </p:pic>
+    </p:spTree>
+    <p:extLst>
+      <p:ext uri="{BB962C8B-B14F-4D97-AF65-F5344CB8AC3E}">
+        <p14:creationId xmlns:p14="http://schemas.microsoft.com/office/powerpoint/2010/main" val="4223525850"/>
+      </p:ext>
+    </p:extLst>
+  </p:cSld>
+  <p:clrMapOvr>
+    <a:masterClrMapping/>
+  </p:clrMapOvr>
+</p:sld>
+</file>
+
+<file path=ppt/slides/slide13.xml><?xml version="1.0" encoding="utf-8"?>
+<p:sld xmlns:a="http://schemas.openxmlformats.org/drawingml/2006/main" xmlns:r="http://schemas.openxmlformats.org/officeDocument/2006/relationships" xmlns:p="http://schemas.openxmlformats.org/presentationml/2006/main">
+  <p:cSld>
+    <p:spTree>
+      <p:nvGrpSpPr>
+        <p:cNvPr id="1" name=""/>
+        <p:cNvGrpSpPr/>
+        <p:nvPr/>
+      </p:nvGrpSpPr>
+      <p:grpSpPr>
+        <a:xfrm>
+          <a:off x="0" y="0"/>
+          <a:ext cx="0" cy="0"/>
+          <a:chOff x="0" y="0"/>
+          <a:chExt cx="0" cy="0"/>
+        </a:xfrm>
+      </p:grpSpPr>
+      <p:sp>
+        <p:nvSpPr>
+          <p:cNvPr id="2" name="Заголовок 1">
+            <a:extLst>
+              <a:ext uri="{FF2B5EF4-FFF2-40B4-BE49-F238E27FC236}">
+                <a16:creationId xmlns:a16="http://schemas.microsoft.com/office/drawing/2014/main" id="{12D95E7E-5694-F743-A54A-46F4DE4B653C}"/>
+              </a:ext>
+            </a:extLst>
+          </p:cNvPr>
+          <p:cNvSpPr>
+            <a:spLocks noGrp="1"/>
+          </p:cNvSpPr>
+          <p:nvPr>
+            <p:ph type="title"/>
+          </p:nvPr>
+        </p:nvSpPr>
+        <p:spPr/>
+        <p:txBody>
+          <a:bodyPr/>
+          <a:lstStyle/>
+          <a:p>
+            <a:r>
+              <a:rPr lang="en-US" dirty="0"/>
+              <a:t>SPARQL-</a:t>
+            </a:r>
+            <a:r>
+              <a:rPr lang="ru-RU" dirty="0"/>
+              <a:t>запросы</a:t>
+            </a:r>
+          </a:p>
+        </p:txBody>
+      </p:sp>
+      <p:pic>
+        <p:nvPicPr>
+          <p:cNvPr id="4" name="Объект 3">
+            <a:extLst>
+              <a:ext uri="{FF2B5EF4-FFF2-40B4-BE49-F238E27FC236}">
+                <a16:creationId xmlns:a16="http://schemas.microsoft.com/office/drawing/2014/main" id="{8903BCB5-85D4-4148-A3C8-7B8E3305E36E}"/>
+              </a:ext>
+            </a:extLst>
+          </p:cNvPr>
+          <p:cNvPicPr>
+            <a:picLocks noGrp="1" noChangeAspect="1"/>
+          </p:cNvPicPr>
+          <p:nvPr>
+            <p:ph idx="1"/>
+          </p:nvPr>
+        </p:nvPicPr>
+        <p:blipFill>
+          <a:blip r:embed="rId2"/>
+          <a:stretch>
+            <a:fillRect/>
+          </a:stretch>
+        </p:blipFill>
+        <p:spPr>
+          <a:xfrm>
+            <a:off x="3279552" y="1825625"/>
+            <a:ext cx="5632896" cy="4351338"/>
+          </a:xfrm>
+          <a:prstGeom prst="rect">
+            <a:avLst/>
+          </a:prstGeom>
+        </p:spPr>
+      </p:pic>
+    </p:spTree>
+    <p:extLst>
+      <p:ext uri="{BB962C8B-B14F-4D97-AF65-F5344CB8AC3E}">
+        <p14:creationId xmlns:p14="http://schemas.microsoft.com/office/powerpoint/2010/main" val="419389254"/>
+      </p:ext>
+    </p:extLst>
+  </p:cSld>
+  <p:clrMapOvr>
+    <a:masterClrMapping/>
+  </p:clrMapOvr>
+</p:sld>
+</file>
+
+<file path=ppt/slides/slide14.xml><?xml version="1.0" encoding="utf-8"?>
+<p:sld xmlns:a="http://schemas.openxmlformats.org/drawingml/2006/main" xmlns:r="http://schemas.openxmlformats.org/officeDocument/2006/relationships" xmlns:p="http://schemas.openxmlformats.org/presentationml/2006/main">
+  <p:cSld>
+    <p:spTree>
+      <p:nvGrpSpPr>
+        <p:cNvPr id="1" name=""/>
+        <p:cNvGrpSpPr/>
+        <p:nvPr/>
+      </p:nvGrpSpPr>
+      <p:grpSpPr>
+        <a:xfrm>
+          <a:off x="0" y="0"/>
+          <a:ext cx="0" cy="0"/>
+          <a:chOff x="0" y="0"/>
+          <a:chExt cx="0" cy="0"/>
+        </a:xfrm>
+      </p:grpSpPr>
+      <p:sp>
+        <p:nvSpPr>
+          <p:cNvPr id="2" name="Заголовок 1">
+            <a:extLst>
+              <a:ext uri="{FF2B5EF4-FFF2-40B4-BE49-F238E27FC236}">
+                <a16:creationId xmlns:a16="http://schemas.microsoft.com/office/drawing/2014/main" id="{A3826859-94E6-6244-882E-EC659E59134B}"/>
+              </a:ext>
+            </a:extLst>
+          </p:cNvPr>
+          <p:cNvSpPr>
+            <a:spLocks noGrp="1"/>
+          </p:cNvSpPr>
+          <p:nvPr>
+            <p:ph type="title"/>
+          </p:nvPr>
+        </p:nvSpPr>
+        <p:spPr/>
+        <p:txBody>
+          <a:bodyPr/>
+          <a:lstStyle/>
+          <a:p>
+            <a:r>
+              <a:rPr lang="en-US" dirty="0"/>
+              <a:t>Reasoning</a:t>
+            </a:r>
+            <a:endParaRPr lang="ru-RU" dirty="0"/>
+          </a:p>
+        </p:txBody>
+      </p:sp>
+      <p:pic>
+        <p:nvPicPr>
+          <p:cNvPr id="4" name="Объект 3">
+            <a:extLst>
+              <a:ext uri="{FF2B5EF4-FFF2-40B4-BE49-F238E27FC236}">
+                <a16:creationId xmlns:a16="http://schemas.microsoft.com/office/drawing/2014/main" id="{1B515453-5D4D-6746-A84A-00D553B542E6}"/>
+              </a:ext>
+            </a:extLst>
+          </p:cNvPr>
+          <p:cNvPicPr>
+            <a:picLocks noGrp="1" noChangeAspect="1"/>
+          </p:cNvPicPr>
+          <p:nvPr>
+            <p:ph idx="1"/>
+          </p:nvPr>
+        </p:nvPicPr>
+        <p:blipFill>
+          <a:blip r:embed="rId2"/>
+          <a:stretch>
+            <a:fillRect/>
+          </a:stretch>
+        </p:blipFill>
+        <p:spPr>
+          <a:xfrm>
+            <a:off x="6202468" y="1612864"/>
+            <a:ext cx="5846404" cy="4273514"/>
+          </a:xfrm>
+          <a:prstGeom prst="rect">
+            <a:avLst/>
+          </a:prstGeom>
+        </p:spPr>
+      </p:pic>
+      <p:pic>
+        <p:nvPicPr>
+          <p:cNvPr id="5" name="Рисунок 4">
+            <a:extLst>
+              <a:ext uri="{FF2B5EF4-FFF2-40B4-BE49-F238E27FC236}">
+                <a16:creationId xmlns:a16="http://schemas.microsoft.com/office/drawing/2014/main" id="{5993F596-7618-1547-AA43-93F0733DBDD8}"/>
+              </a:ext>
+            </a:extLst>
+          </p:cNvPr>
+          <p:cNvPicPr>
+            <a:picLocks noChangeAspect="1"/>
+          </p:cNvPicPr>
+          <p:nvPr/>
+        </p:nvPicPr>
+        <p:blipFill>
+          <a:blip r:embed="rId3"/>
+          <a:stretch>
+            <a:fillRect/>
+          </a:stretch>
+        </p:blipFill>
+        <p:spPr>
+          <a:xfrm>
+            <a:off x="278660" y="1612864"/>
+            <a:ext cx="5710873" cy="4227342"/>
+          </a:xfrm>
+          <a:prstGeom prst="rect">
+            <a:avLst/>
+          </a:prstGeom>
+        </p:spPr>
+      </p:pic>
+    </p:spTree>
+    <p:extLst>
+      <p:ext uri="{BB962C8B-B14F-4D97-AF65-F5344CB8AC3E}">
+        <p14:creationId xmlns:p14="http://schemas.microsoft.com/office/powerpoint/2010/main" val="428406600"/>
+      </p:ext>
+    </p:extLst>
+  </p:cSld>
+  <p:clrMapOvr>
+    <a:masterClrMapping/>
+  </p:clrMapOvr>
+</p:sld>
+</file>
+
+<file path=ppt/slides/slide15.xml><?xml version="1.0" encoding="utf-8"?>
+<p:sld xmlns:a="http://schemas.openxmlformats.org/drawingml/2006/main" xmlns:r="http://schemas.openxmlformats.org/officeDocument/2006/relationships" xmlns:p="http://schemas.openxmlformats.org/presentationml/2006/main">
+  <p:cSld>
+    <p:spTree>
+      <p:nvGrpSpPr>
+        <p:cNvPr id="1" name=""/>
+        <p:cNvGrpSpPr/>
+        <p:nvPr/>
+      </p:nvGrpSpPr>
+      <p:grpSpPr>
+        <a:xfrm>
+          <a:off x="0" y="0"/>
+          <a:ext cx="0" cy="0"/>
+          <a:chOff x="0" y="0"/>
+          <a:chExt cx="0" cy="0"/>
+        </a:xfrm>
+      </p:grpSpPr>
+      <p:sp>
+        <p:nvSpPr>
+          <p:cNvPr id="2" name="Заголовок 1">
+            <a:extLst>
+              <a:ext uri="{FF2B5EF4-FFF2-40B4-BE49-F238E27FC236}">
+                <a16:creationId xmlns:a16="http://schemas.microsoft.com/office/drawing/2014/main" id="{A3826859-94E6-6244-882E-EC659E59134B}"/>
+              </a:ext>
+            </a:extLst>
+          </p:cNvPr>
+          <p:cNvSpPr>
+            <a:spLocks noGrp="1"/>
+          </p:cNvSpPr>
+          <p:nvPr>
+            <p:ph type="title"/>
+          </p:nvPr>
+        </p:nvSpPr>
+        <p:spPr/>
+        <p:txBody>
+          <a:bodyPr/>
+          <a:lstStyle/>
+          <a:p>
+            <a:r>
+              <a:rPr lang="en-US" dirty="0"/>
+              <a:t>Reasoning</a:t>
+            </a:r>
+            <a:endParaRPr lang="ru-RU" dirty="0"/>
+          </a:p>
+        </p:txBody>
+      </p:sp>
+      <p:pic>
+        <p:nvPicPr>
+          <p:cNvPr id="7" name="Объект 6">
+            <a:extLst>
+              <a:ext uri="{FF2B5EF4-FFF2-40B4-BE49-F238E27FC236}">
+                <a16:creationId xmlns:a16="http://schemas.microsoft.com/office/drawing/2014/main" id="{6BB0DD80-6A42-E445-95E8-5BC2D63EE3D1}"/>
+              </a:ext>
+            </a:extLst>
+          </p:cNvPr>
+          <p:cNvPicPr>
+            <a:picLocks noGrp="1" noChangeAspect="1"/>
+          </p:cNvPicPr>
+          <p:nvPr>
+            <p:ph idx="1"/>
+          </p:nvPr>
+        </p:nvPicPr>
+        <p:blipFill>
+          <a:blip r:embed="rId2"/>
+          <a:stretch>
+            <a:fillRect/>
+          </a:stretch>
+        </p:blipFill>
+        <p:spPr>
+          <a:xfrm>
+            <a:off x="3245505" y="1690688"/>
+            <a:ext cx="5700990" cy="4351338"/>
+          </a:xfrm>
+          <a:prstGeom prst="rect">
+            <a:avLst/>
+          </a:prstGeom>
+        </p:spPr>
+      </p:pic>
+    </p:spTree>
+    <p:extLst>
+      <p:ext uri="{BB962C8B-B14F-4D97-AF65-F5344CB8AC3E}">
+        <p14:creationId xmlns:p14="http://schemas.microsoft.com/office/powerpoint/2010/main" val="1455263096"/>
+      </p:ext>
+    </p:extLst>
+  </p:cSld>
+  <p:clrMapOvr>
+    <a:masterClrMapping/>
+  </p:clrMapOvr>
+</p:sld>
+</file>
+
+<file path=ppt/slides/slide16.xml><?xml version="1.0" encoding="utf-8"?>
+<p:sld xmlns:a="http://schemas.openxmlformats.org/drawingml/2006/main" xmlns:r="http://schemas.openxmlformats.org/officeDocument/2006/relationships" xmlns:p="http://schemas.openxmlformats.org/presentationml/2006/main">
+  <p:cSld>
+    <p:spTree>
+      <p:nvGrpSpPr>
+        <p:cNvPr id="1" name=""/>
+        <p:cNvGrpSpPr/>
+        <p:nvPr/>
+      </p:nvGrpSpPr>
+      <p:grpSpPr>
+        <a:xfrm>
+          <a:off x="0" y="0"/>
+          <a:ext cx="0" cy="0"/>
+          <a:chOff x="0" y="0"/>
+          <a:chExt cx="0" cy="0"/>
+        </a:xfrm>
+      </p:grpSpPr>
+      <p:sp>
+        <p:nvSpPr>
+          <p:cNvPr id="2" name="Заголовок 1">
+            <a:extLst>
+              <a:ext uri="{FF2B5EF4-FFF2-40B4-BE49-F238E27FC236}">
+                <a16:creationId xmlns:a16="http://schemas.microsoft.com/office/drawing/2014/main" id="{F3D2E09A-CEE3-3246-A71D-B988D7AE045C}"/>
+              </a:ext>
+            </a:extLst>
+          </p:cNvPr>
+          <p:cNvSpPr>
+            <a:spLocks noGrp="1"/>
+          </p:cNvSpPr>
+          <p:nvPr>
+            <p:ph type="title"/>
+          </p:nvPr>
+        </p:nvSpPr>
+        <p:spPr/>
+        <p:txBody>
+          <a:bodyPr/>
+          <a:lstStyle/>
+          <a:p>
+            <a:r>
+              <a:rPr lang="en-US" dirty="0"/>
+              <a:t>Reasoning Python</a:t>
+            </a:r>
+            <a:endParaRPr lang="ru-RU" dirty="0"/>
+          </a:p>
+        </p:txBody>
+      </p:sp>
+      <p:sp>
+        <p:nvSpPr>
+          <p:cNvPr id="5" name="Объект 4">
+            <a:extLst>
+              <a:ext uri="{FF2B5EF4-FFF2-40B4-BE49-F238E27FC236}">
+                <a16:creationId xmlns:a16="http://schemas.microsoft.com/office/drawing/2014/main" id="{C37BAF03-EE35-4C49-8451-1A9050E78887}"/>
+              </a:ext>
+            </a:extLst>
+          </p:cNvPr>
+          <p:cNvSpPr>
+            <a:spLocks noGrp="1"/>
+          </p:cNvSpPr>
+          <p:nvPr>
+            <p:ph idx="1"/>
+          </p:nvPr>
+        </p:nvSpPr>
+        <p:spPr/>
+        <p:txBody>
+          <a:bodyPr/>
+          <a:lstStyle/>
+          <a:p>
+            <a:endParaRPr lang="ru-RU" dirty="0"/>
+          </a:p>
+        </p:txBody>
+      </p:sp>
+      <p:pic>
+        <p:nvPicPr>
+          <p:cNvPr id="6" name="Рисунок 5">
+            <a:extLst>
+              <a:ext uri="{FF2B5EF4-FFF2-40B4-BE49-F238E27FC236}">
+                <a16:creationId xmlns:a16="http://schemas.microsoft.com/office/drawing/2014/main" id="{3BA4B6AF-113E-F749-8DE4-835B6BCF0802}"/>
+              </a:ext>
+            </a:extLst>
+          </p:cNvPr>
+          <p:cNvPicPr>
+            <a:picLocks noChangeAspect="1"/>
+          </p:cNvPicPr>
+          <p:nvPr/>
+        </p:nvPicPr>
+        <p:blipFill>
+          <a:blip r:embed="rId2"/>
+          <a:stretch>
+            <a:fillRect/>
+          </a:stretch>
+        </p:blipFill>
+        <p:spPr>
+          <a:xfrm>
+            <a:off x="928467" y="1864311"/>
+            <a:ext cx="10335065" cy="2453371"/>
+          </a:xfrm>
+          <a:prstGeom prst="rect">
+            <a:avLst/>
+          </a:prstGeom>
+        </p:spPr>
+      </p:pic>
+    </p:spTree>
+    <p:extLst>
+      <p:ext uri="{BB962C8B-B14F-4D97-AF65-F5344CB8AC3E}">
+        <p14:creationId xmlns:p14="http://schemas.microsoft.com/office/powerpoint/2010/main" val="179904545"/>
+      </p:ext>
+    </p:extLst>
+  </p:cSld>
+  <p:clrMapOvr>
+    <a:masterClrMapping/>
+  </p:clrMapOvr>
+</p:sld>
+</file>
+
+<file path=ppt/slides/slide17.xml><?xml version="1.0" encoding="utf-8"?>
+<p:sld xmlns:a="http://schemas.openxmlformats.org/drawingml/2006/main" xmlns:r="http://schemas.openxmlformats.org/officeDocument/2006/relationships" xmlns:p="http://schemas.openxmlformats.org/presentationml/2006/main">
+  <p:cSld>
+    <p:spTree>
+      <p:nvGrpSpPr>
+        <p:cNvPr id="1" name=""/>
+        <p:cNvGrpSpPr/>
+        <p:nvPr/>
+      </p:nvGrpSpPr>
+      <p:grpSpPr>
+        <a:xfrm>
+          <a:off x="0" y="0"/>
+          <a:ext cx="0" cy="0"/>
+          <a:chOff x="0" y="0"/>
+          <a:chExt cx="0" cy="0"/>
+        </a:xfrm>
+      </p:grpSpPr>
+      <p:sp>
+        <p:nvSpPr>
+          <p:cNvPr id="2" name="Заголовок 1">
+            <a:extLst>
+              <a:ext uri="{FF2B5EF4-FFF2-40B4-BE49-F238E27FC236}">
+                <a16:creationId xmlns:a16="http://schemas.microsoft.com/office/drawing/2014/main" id="{EBCCED43-A3F8-F54C-A2BA-BED92C6708CB}"/>
+              </a:ext>
+            </a:extLst>
+          </p:cNvPr>
+          <p:cNvSpPr>
+            <a:spLocks noGrp="1"/>
+          </p:cNvSpPr>
+          <p:nvPr>
+            <p:ph type="title"/>
+          </p:nvPr>
+        </p:nvSpPr>
+        <p:spPr/>
+        <p:txBody>
+          <a:bodyPr/>
+          <a:lstStyle/>
+          <a:p>
+            <a:r>
+              <a:rPr lang="en-US" dirty="0"/>
+              <a:t>VOID</a:t>
+            </a:r>
+            <a:endParaRPr lang="ru-RU" dirty="0"/>
+          </a:p>
+        </p:txBody>
+      </p:sp>
+      <p:pic>
+        <p:nvPicPr>
+          <p:cNvPr id="3" name="Рисунок 2">
+            <a:extLst>
+              <a:ext uri="{FF2B5EF4-FFF2-40B4-BE49-F238E27FC236}">
+                <a16:creationId xmlns:a16="http://schemas.microsoft.com/office/drawing/2014/main" id="{D504E3BD-982F-2443-A7D6-2C8335862229}"/>
+              </a:ext>
+            </a:extLst>
+          </p:cNvPr>
+          <p:cNvPicPr>
+            <a:picLocks noChangeAspect="1"/>
+          </p:cNvPicPr>
+          <p:nvPr/>
+        </p:nvPicPr>
+        <p:blipFill>
+          <a:blip r:embed="rId2"/>
+          <a:stretch>
+            <a:fillRect/>
+          </a:stretch>
+        </p:blipFill>
+        <p:spPr>
+          <a:xfrm>
+            <a:off x="5362136" y="1646227"/>
+            <a:ext cx="6146409" cy="1692958"/>
+          </a:xfrm>
+          <a:prstGeom prst="rect">
+            <a:avLst/>
+          </a:prstGeom>
+        </p:spPr>
+      </p:pic>
+      <p:pic>
+        <p:nvPicPr>
+          <p:cNvPr id="6" name="Рисунок 5">
+            <a:extLst>
+              <a:ext uri="{FF2B5EF4-FFF2-40B4-BE49-F238E27FC236}">
+                <a16:creationId xmlns:a16="http://schemas.microsoft.com/office/drawing/2014/main" id="{A2FE2329-C407-734E-8AB3-8E75A1B367C3}"/>
+              </a:ext>
+            </a:extLst>
+          </p:cNvPr>
+          <p:cNvPicPr>
+            <a:picLocks noChangeAspect="1"/>
+          </p:cNvPicPr>
+          <p:nvPr/>
+        </p:nvPicPr>
+        <p:blipFill>
+          <a:blip r:embed="rId3"/>
+          <a:stretch>
+            <a:fillRect/>
+          </a:stretch>
+        </p:blipFill>
+        <p:spPr>
+          <a:xfrm>
+            <a:off x="6096000" y="3753511"/>
+            <a:ext cx="4220792" cy="2763970"/>
+          </a:xfrm>
+          <a:prstGeom prst="rect">
+            <a:avLst/>
+          </a:prstGeom>
+        </p:spPr>
+      </p:pic>
+      <p:pic>
+        <p:nvPicPr>
+          <p:cNvPr id="9" name="Рисунок 8">
+            <a:extLst>
+              <a:ext uri="{FF2B5EF4-FFF2-40B4-BE49-F238E27FC236}">
+                <a16:creationId xmlns:a16="http://schemas.microsoft.com/office/drawing/2014/main" id="{D70E7BCE-E3A8-8542-B73E-E1228B5598AF}"/>
+              </a:ext>
+            </a:extLst>
+          </p:cNvPr>
+          <p:cNvPicPr>
+            <a:picLocks noChangeAspect="1"/>
+          </p:cNvPicPr>
+          <p:nvPr/>
+        </p:nvPicPr>
+        <p:blipFill>
+          <a:blip r:embed="rId4"/>
+          <a:stretch>
+            <a:fillRect/>
+          </a:stretch>
+        </p:blipFill>
+        <p:spPr>
+          <a:xfrm>
+            <a:off x="838200" y="1485106"/>
+            <a:ext cx="4201591" cy="5032375"/>
+          </a:xfrm>
+          <a:prstGeom prst="rect">
+            <a:avLst/>
+          </a:prstGeom>
+        </p:spPr>
+      </p:pic>
+    </p:spTree>
+    <p:extLst>
+      <p:ext uri="{BB962C8B-B14F-4D97-AF65-F5344CB8AC3E}">
+        <p14:creationId xmlns:p14="http://schemas.microsoft.com/office/powerpoint/2010/main" val="2376164870"/>
+      </p:ext>
+    </p:extLst>
+  </p:cSld>
+  <p:clrMapOvr>
+    <a:masterClrMapping/>
+  </p:clrMapOvr>
+</p:sld>
+</file>
+
+<file path=ppt/slides/slide18.xml><?xml version="1.0" encoding="utf-8"?>
+<p:sld xmlns:a="http://schemas.openxmlformats.org/drawingml/2006/main" xmlns:r="http://schemas.openxmlformats.org/officeDocument/2006/relationships" xmlns:p="http://schemas.openxmlformats.org/presentationml/2006/main">
+  <p:cSld>
+    <p:spTree>
+      <p:nvGrpSpPr>
+        <p:cNvPr id="1" name=""/>
+        <p:cNvGrpSpPr/>
+        <p:nvPr/>
+      </p:nvGrpSpPr>
+      <p:grpSpPr>
+        <a:xfrm>
+          <a:off x="0" y="0"/>
+          <a:ext cx="0" cy="0"/>
+          <a:chOff x="0" y="0"/>
+          <a:chExt cx="0" cy="0"/>
+        </a:xfrm>
+      </p:grpSpPr>
+      <p:sp>
+        <p:nvSpPr>
+          <p:cNvPr id="2" name="Заголовок 1">
+            <a:extLst>
+              <a:ext uri="{FF2B5EF4-FFF2-40B4-BE49-F238E27FC236}">
+                <a16:creationId xmlns:a16="http://schemas.microsoft.com/office/drawing/2014/main" id="{3139770A-CA83-A649-A3D5-10174DBFE945}"/>
+              </a:ext>
+            </a:extLst>
+          </p:cNvPr>
+          <p:cNvSpPr>
+            <a:spLocks noGrp="1"/>
+          </p:cNvSpPr>
+          <p:nvPr>
+            <p:ph type="title"/>
+          </p:nvPr>
+        </p:nvSpPr>
+        <p:spPr/>
+        <p:txBody>
+          <a:bodyPr/>
+          <a:lstStyle/>
+          <a:p>
+            <a:r>
+              <a:rPr lang="en-US" dirty="0"/>
+              <a:t>SHACL</a:t>
+            </a:r>
+            <a:endParaRPr lang="ru-RU" dirty="0"/>
+          </a:p>
+        </p:txBody>
+      </p:sp>
+      <p:sp>
+        <p:nvSpPr>
+          <p:cNvPr id="3" name="Объект 2">
+            <a:extLst>
+              <a:ext uri="{FF2B5EF4-FFF2-40B4-BE49-F238E27FC236}">
+                <a16:creationId xmlns:a16="http://schemas.microsoft.com/office/drawing/2014/main" id="{714CD231-CE5F-9B4B-AAB8-597CAD24DD7F}"/>
+              </a:ext>
+            </a:extLst>
+          </p:cNvPr>
+          <p:cNvSpPr>
+            <a:spLocks noGrp="1"/>
+          </p:cNvSpPr>
+          <p:nvPr>
+            <p:ph idx="1"/>
+          </p:nvPr>
+        </p:nvSpPr>
+        <p:spPr/>
+        <p:txBody>
+          <a:bodyPr/>
+          <a:lstStyle/>
+          <a:p>
+            <a:endParaRPr lang="ru-RU" dirty="0"/>
+          </a:p>
+        </p:txBody>
+      </p:sp>
+      <p:pic>
+        <p:nvPicPr>
+          <p:cNvPr id="5" name="Рисунок 4">
+            <a:extLst>
+              <a:ext uri="{FF2B5EF4-FFF2-40B4-BE49-F238E27FC236}">
+                <a16:creationId xmlns:a16="http://schemas.microsoft.com/office/drawing/2014/main" id="{40BB4BF4-289E-FE4F-B7DF-FF0682E28F15}"/>
+              </a:ext>
+            </a:extLst>
+          </p:cNvPr>
+          <p:cNvPicPr>
+            <a:picLocks noChangeAspect="1"/>
+          </p:cNvPicPr>
+          <p:nvPr/>
+        </p:nvPicPr>
+        <p:blipFill>
+          <a:blip r:embed="rId2"/>
+          <a:stretch>
+            <a:fillRect/>
+          </a:stretch>
+        </p:blipFill>
+        <p:spPr>
+          <a:xfrm>
+            <a:off x="6872751" y="2326054"/>
+            <a:ext cx="4889500" cy="2768600"/>
+          </a:xfrm>
+          <a:prstGeom prst="rect">
+            <a:avLst/>
+          </a:prstGeom>
+        </p:spPr>
+      </p:pic>
+      <p:pic>
+        <p:nvPicPr>
+          <p:cNvPr id="6" name="Рисунок 5">
+            <a:extLst>
+              <a:ext uri="{FF2B5EF4-FFF2-40B4-BE49-F238E27FC236}">
+                <a16:creationId xmlns:a16="http://schemas.microsoft.com/office/drawing/2014/main" id="{90FABE87-68BE-904C-9EB0-80B2C063420F}"/>
+              </a:ext>
+            </a:extLst>
+          </p:cNvPr>
+          <p:cNvPicPr>
+            <a:picLocks noChangeAspect="1"/>
+          </p:cNvPicPr>
+          <p:nvPr/>
+        </p:nvPicPr>
+        <p:blipFill>
+          <a:blip r:embed="rId3"/>
+          <a:stretch>
+            <a:fillRect/>
+          </a:stretch>
+        </p:blipFill>
+        <p:spPr>
+          <a:xfrm>
+            <a:off x="975457" y="2076167"/>
+            <a:ext cx="5120543" cy="3850254"/>
+          </a:xfrm>
+          <a:prstGeom prst="rect">
+            <a:avLst/>
+          </a:prstGeom>
+        </p:spPr>
+      </p:pic>
+    </p:spTree>
+    <p:extLst>
+      <p:ext uri="{BB962C8B-B14F-4D97-AF65-F5344CB8AC3E}">
+        <p14:creationId xmlns:p14="http://schemas.microsoft.com/office/powerpoint/2010/main" val="2427261411"/>
+      </p:ext>
+    </p:extLst>
+  </p:cSld>
+  <p:clrMapOvr>
+    <a:masterClrMapping/>
+  </p:clrMapOvr>
+</p:sld>
+</file>
+
+<file path=ppt/slides/slide19.xml><?xml version="1.0" encoding="utf-8"?>
+<p:sld xmlns:a="http://schemas.openxmlformats.org/drawingml/2006/main" xmlns:r="http://schemas.openxmlformats.org/officeDocument/2006/relationships" xmlns:p="http://schemas.openxmlformats.org/presentationml/2006/main">
+  <p:cSld>
+    <p:spTree>
+      <p:nvGrpSpPr>
+        <p:cNvPr id="1" name=""/>
+        <p:cNvGrpSpPr/>
+        <p:nvPr/>
+      </p:nvGrpSpPr>
+      <p:grpSpPr>
+        <a:xfrm>
+          <a:off x="0" y="0"/>
+          <a:ext cx="0" cy="0"/>
+          <a:chOff x="0" y="0"/>
+          <a:chExt cx="0" cy="0"/>
+        </a:xfrm>
+      </p:grpSpPr>
+      <p:sp>
+        <p:nvSpPr>
+          <p:cNvPr id="2" name="Заголовок 1">
+            <a:extLst>
+              <a:ext uri="{FF2B5EF4-FFF2-40B4-BE49-F238E27FC236}">
+                <a16:creationId xmlns:a16="http://schemas.microsoft.com/office/drawing/2014/main" id="{656C7899-8906-D34D-A4C5-42F5CBD6FF06}"/>
+              </a:ext>
+            </a:extLst>
+          </p:cNvPr>
+          <p:cNvSpPr>
+            <a:spLocks noGrp="1"/>
+          </p:cNvSpPr>
+          <p:nvPr>
+            <p:ph type="title"/>
+          </p:nvPr>
+        </p:nvSpPr>
+        <p:spPr/>
+        <p:txBody>
+          <a:bodyPr/>
+          <a:lstStyle/>
+          <a:p>
+            <a:r>
+              <a:rPr lang="ru-RU" dirty="0"/>
+              <a:t>Документация</a:t>
+            </a:r>
+          </a:p>
+        </p:txBody>
+      </p:sp>
+      <p:sp>
+        <p:nvSpPr>
+          <p:cNvPr id="6" name="Объект 5">
+            <a:extLst>
+              <a:ext uri="{FF2B5EF4-FFF2-40B4-BE49-F238E27FC236}">
+                <a16:creationId xmlns:a16="http://schemas.microsoft.com/office/drawing/2014/main" id="{FD9590CB-9C72-7E4E-B121-AD784ECEF92C}"/>
+              </a:ext>
+            </a:extLst>
+          </p:cNvPr>
+          <p:cNvSpPr>
+            <a:spLocks noGrp="1"/>
+          </p:cNvSpPr>
+          <p:nvPr>
+            <p:ph idx="1"/>
+          </p:nvPr>
+        </p:nvSpPr>
+        <p:spPr/>
+        <p:txBody>
+          <a:bodyPr/>
+          <a:lstStyle/>
+          <a:p>
+            <a:endParaRPr lang="ru-RU"/>
+          </a:p>
+        </p:txBody>
+      </p:sp>
+      <p:pic>
+        <p:nvPicPr>
+          <p:cNvPr id="7" name="Рисунок 6">
+            <a:extLst>
+              <a:ext uri="{FF2B5EF4-FFF2-40B4-BE49-F238E27FC236}">
+                <a16:creationId xmlns:a16="http://schemas.microsoft.com/office/drawing/2014/main" id="{0166B2F0-19FD-6943-B036-7F814910BBD4}"/>
+              </a:ext>
+            </a:extLst>
+          </p:cNvPr>
+          <p:cNvPicPr>
+            <a:picLocks noChangeAspect="1"/>
+          </p:cNvPicPr>
+          <p:nvPr/>
+        </p:nvPicPr>
+        <p:blipFill>
+          <a:blip r:embed="rId2"/>
+          <a:stretch>
+            <a:fillRect/>
+          </a:stretch>
+        </p:blipFill>
+        <p:spPr>
+          <a:xfrm>
+            <a:off x="1941341" y="1690688"/>
+            <a:ext cx="8012930" cy="4571292"/>
+          </a:xfrm>
+          <a:prstGeom prst="rect">
+            <a:avLst/>
+          </a:prstGeom>
+        </p:spPr>
+      </p:pic>
+    </p:spTree>
+    <p:extLst>
+      <p:ext uri="{BB962C8B-B14F-4D97-AF65-F5344CB8AC3E}">
+        <p14:creationId xmlns:p14="http://schemas.microsoft.com/office/powerpoint/2010/main" val="923364483"/>
       </p:ext>
     </p:extLst>
   </p:cSld>
@@ -3792,6 +4789,112 @@
     <p:extLst>
       <p:ext uri="{BB962C8B-B14F-4D97-AF65-F5344CB8AC3E}">
         <p14:creationId xmlns:p14="http://schemas.microsoft.com/office/powerpoint/2010/main" val="2519214966"/>
+      </p:ext>
+    </p:extLst>
+  </p:cSld>
+  <p:clrMapOvr>
+    <a:masterClrMapping/>
+  </p:clrMapOvr>
+</p:sld>
+</file>
+
+<file path=ppt/slides/slide20.xml><?xml version="1.0" encoding="utf-8"?>
+<p:sld xmlns:a="http://schemas.openxmlformats.org/drawingml/2006/main" xmlns:r="http://schemas.openxmlformats.org/officeDocument/2006/relationships" xmlns:p="http://schemas.openxmlformats.org/presentationml/2006/main">
+  <p:cSld>
+    <p:spTree>
+      <p:nvGrpSpPr>
+        <p:cNvPr id="1" name=""/>
+        <p:cNvGrpSpPr/>
+        <p:nvPr/>
+      </p:nvGrpSpPr>
+      <p:grpSpPr>
+        <a:xfrm>
+          <a:off x="0" y="0"/>
+          <a:ext cx="0" cy="0"/>
+          <a:chOff x="0" y="0"/>
+          <a:chExt cx="0" cy="0"/>
+        </a:xfrm>
+      </p:grpSpPr>
+      <p:sp>
+        <p:nvSpPr>
+          <p:cNvPr id="2" name="Заголовок 1">
+            <a:extLst>
+              <a:ext uri="{FF2B5EF4-FFF2-40B4-BE49-F238E27FC236}">
+                <a16:creationId xmlns:a16="http://schemas.microsoft.com/office/drawing/2014/main" id="{2ECBC86A-E72B-D74E-A962-C3789DB5AB88}"/>
+              </a:ext>
+            </a:extLst>
+          </p:cNvPr>
+          <p:cNvSpPr>
+            <a:spLocks noGrp="1"/>
+          </p:cNvSpPr>
+          <p:nvPr>
+            <p:ph type="title"/>
+          </p:nvPr>
+        </p:nvSpPr>
+        <p:spPr/>
+        <p:txBody>
+          <a:bodyPr/>
+          <a:lstStyle/>
+          <a:p>
+            <a:r>
+              <a:rPr lang="ru-RU" dirty="0"/>
+              <a:t>Проблемы</a:t>
+            </a:r>
+          </a:p>
+        </p:txBody>
+      </p:sp>
+      <p:sp>
+        <p:nvSpPr>
+          <p:cNvPr id="3" name="Объект 2">
+            <a:extLst>
+              <a:ext uri="{FF2B5EF4-FFF2-40B4-BE49-F238E27FC236}">
+                <a16:creationId xmlns:a16="http://schemas.microsoft.com/office/drawing/2014/main" id="{302707FA-AB26-BB4E-B2E9-9236D90AD393}"/>
+              </a:ext>
+            </a:extLst>
+          </p:cNvPr>
+          <p:cNvSpPr>
+            <a:spLocks noGrp="1"/>
+          </p:cNvSpPr>
+          <p:nvPr>
+            <p:ph idx="1"/>
+          </p:nvPr>
+        </p:nvSpPr>
+        <p:spPr/>
+        <p:txBody>
+          <a:bodyPr/>
+          <a:lstStyle/>
+          <a:p>
+            <a:r>
+              <a:rPr lang="ru-RU" dirty="0"/>
+              <a:t>Написание </a:t>
+            </a:r>
+            <a:r>
+              <a:rPr lang="en-US" dirty="0"/>
+              <a:t>SPARQL</a:t>
+            </a:r>
+            <a:r>
+              <a:rPr lang="ru-RU" dirty="0"/>
+              <a:t>-запросов</a:t>
+            </a:r>
+          </a:p>
+          <a:p>
+            <a:r>
+              <a:rPr lang="ru-RU" dirty="0"/>
+              <a:t>Сбор данных</a:t>
+            </a:r>
+          </a:p>
+          <a:p>
+            <a:r>
+              <a:rPr lang="ru-RU" dirty="0"/>
+              <a:t>Не совсем валидные данные, в связи с этим иногда возникали трудности при обработке</a:t>
+            </a:r>
+          </a:p>
+        </p:txBody>
+      </p:sp>
+    </p:spTree>
+    <p:extLst>
+      <p:ext uri="{BB962C8B-B14F-4D97-AF65-F5344CB8AC3E}">
+        <p14:creationId xmlns:p14="http://schemas.microsoft.com/office/powerpoint/2010/main" val="3717102995"/>
       </p:ext>
     </p:extLst>
   </p:cSld>
@@ -4188,6 +5291,15 @@
               </a:rPr>
               <a:t>https://litnet.com/ru</a:t>
             </a:r>
+            <a:endParaRPr lang="en-US" dirty="0"/>
+          </a:p>
+          <a:p>
+            <a:r>
+              <a:rPr lang="en-US" dirty="0">
+                <a:hlinkClick r:id="rId3"/>
+              </a:rPr>
+              <a:t>https://www.bookvoed.ru</a:t>
+            </a:r>
             <a:r>
               <a:rPr lang="en-US" dirty="0"/>
               <a:t> </a:t>
@@ -4213,7 +5325,7 @@
           <p:nvPr/>
         </p:nvPicPr>
         <p:blipFill>
-          <a:blip r:embed="rId3"/>
+          <a:blip r:embed="rId4"/>
           <a:stretch>
             <a:fillRect/>
           </a:stretch>
@@ -4447,38 +5559,6 @@
       </p:sp>
       <p:pic>
         <p:nvPicPr>
-          <p:cNvPr id="4" name="Объект 3">
-            <a:extLst>
-              <a:ext uri="{FF2B5EF4-FFF2-40B4-BE49-F238E27FC236}">
-                <a16:creationId xmlns:a16="http://schemas.microsoft.com/office/drawing/2014/main" id="{0B5B7719-2622-8E42-8157-3076CB1C4FB2}"/>
-              </a:ext>
-            </a:extLst>
-          </p:cNvPr>
-          <p:cNvPicPr>
-            <a:picLocks noGrp="1" noChangeAspect="1"/>
-          </p:cNvPicPr>
-          <p:nvPr>
-            <p:ph idx="1"/>
-          </p:nvPr>
-        </p:nvPicPr>
-        <p:blipFill>
-          <a:blip r:embed="rId2"/>
-          <a:stretch>
-            <a:fillRect/>
-          </a:stretch>
-        </p:blipFill>
-        <p:spPr>
-          <a:xfrm>
-            <a:off x="1246859" y="1690688"/>
-            <a:ext cx="2368835" cy="4351338"/>
-          </a:xfrm>
-          <a:prstGeom prst="rect">
-            <a:avLst/>
-          </a:prstGeom>
-        </p:spPr>
-      </p:pic>
-      <p:pic>
-        <p:nvPicPr>
           <p:cNvPr id="5" name="Рисунок 4">
             <a:extLst>
               <a:ext uri="{FF2B5EF4-FFF2-40B4-BE49-F238E27FC236}">
@@ -4492,7 +5572,7 @@
           <p:nvPr/>
         </p:nvPicPr>
         <p:blipFill>
-          <a:blip r:embed="rId3"/>
+          <a:blip r:embed="rId2"/>
           <a:stretch>
             <a:fillRect/>
           </a:stretch>
@@ -4509,10 +5589,40 @@
       </p:pic>
       <p:pic>
         <p:nvPicPr>
-          <p:cNvPr id="6" name="Рисунок 5">
-            <a:extLst>
-              <a:ext uri="{FF2B5EF4-FFF2-40B4-BE49-F238E27FC236}">
-                <a16:creationId xmlns:a16="http://schemas.microsoft.com/office/drawing/2014/main" id="{F76D2910-0251-1445-9ED1-75B02B443678}"/>
+          <p:cNvPr id="8" name="Рисунок 7">
+            <a:extLst>
+              <a:ext uri="{FF2B5EF4-FFF2-40B4-BE49-F238E27FC236}">
+                <a16:creationId xmlns:a16="http://schemas.microsoft.com/office/drawing/2014/main" id="{1119ECD3-5691-E34B-A45D-AB75040CF80F}"/>
+              </a:ext>
+            </a:extLst>
+          </p:cNvPr>
+          <p:cNvPicPr>
+            <a:picLocks noChangeAspect="1"/>
+          </p:cNvPicPr>
+          <p:nvPr/>
+        </p:nvPicPr>
+        <p:blipFill>
+          <a:blip r:embed="rId3"/>
+          <a:stretch>
+            <a:fillRect/>
+          </a:stretch>
+        </p:blipFill>
+        <p:spPr>
+          <a:xfrm>
+            <a:off x="569813" y="1690688"/>
+            <a:ext cx="2913928" cy="4594222"/>
+          </a:xfrm>
+          <a:prstGeom prst="rect">
+            <a:avLst/>
+          </a:prstGeom>
+        </p:spPr>
+      </p:pic>
+      <p:pic>
+        <p:nvPicPr>
+          <p:cNvPr id="9" name="Рисунок 8">
+            <a:extLst>
+              <a:ext uri="{FF2B5EF4-FFF2-40B4-BE49-F238E27FC236}">
+                <a16:creationId xmlns:a16="http://schemas.microsoft.com/office/drawing/2014/main" id="{F6C38F23-FE4A-F440-AA23-A37B3B0317F9}"/>
               </a:ext>
             </a:extLst>
           </p:cNvPr>
@@ -4529,8 +5639,8 @@
         </p:blipFill>
         <p:spPr>
           <a:xfrm>
-            <a:off x="7979321" y="1864382"/>
-            <a:ext cx="3828876" cy="3354657"/>
+            <a:off x="8155087" y="1824079"/>
+            <a:ext cx="3467100" cy="3690455"/>
           </a:xfrm>
           <a:prstGeom prst="rect">
             <a:avLst/>
@@ -4781,10 +5891,10 @@
       </p:sp>
       <p:pic>
         <p:nvPicPr>
-          <p:cNvPr id="3" name="Рисунок 2">
-            <a:extLst>
-              <a:ext uri="{FF2B5EF4-FFF2-40B4-BE49-F238E27FC236}">
-                <a16:creationId xmlns:a16="http://schemas.microsoft.com/office/drawing/2014/main" id="{97CCCD22-9D8A-214E-8559-C4A8F525BB30}"/>
+          <p:cNvPr id="4" name="Рисунок 3">
+            <a:extLst>
+              <a:ext uri="{FF2B5EF4-FFF2-40B4-BE49-F238E27FC236}">
+                <a16:creationId xmlns:a16="http://schemas.microsoft.com/office/drawing/2014/main" id="{A3706F77-8897-A549-9011-50BD1C291E08}"/>
               </a:ext>
             </a:extLst>
           </p:cNvPr>
@@ -4801,8 +5911,8 @@
         </p:blipFill>
         <p:spPr>
           <a:xfrm>
-            <a:off x="4765985" y="557783"/>
-            <a:ext cx="7299085" cy="5739187"/>
+            <a:off x="4797949" y="557784"/>
+            <a:ext cx="6909837" cy="5739187"/>
           </a:xfrm>
           <a:prstGeom prst="rect">
             <a:avLst/>
